--- a/lecture/L19 - Limits of Computing/src/L19-MB-Limits-of-Computing-CS10-Su15.pptx
+++ b/lecture/L19 - Limits of Computing/src/L19-MB-Limits-of-Computing-CS10-Su15.pptx
@@ -520,7 +520,7 @@
           <a:bodyPr/>
           <a:lstStyle/>
           <a:p>
-            <a:endParaRPr lang="en-US">
+            <a:endParaRPr lang="en-US" dirty="0">
               <a:latin typeface="Arial" pitchFamily="-1" charset="0"/>
               <a:ea typeface="ＭＳ Ｐゴシック" pitchFamily="-1" charset="-128"/>
               <a:cs typeface="ＭＳ Ｐゴシック" pitchFamily="-1" charset="-128"/>
@@ -10889,8 +10889,57 @@
             <a:pPr lvl="1"/>
             <a:r>
               <a:rPr lang="en-US" dirty="0" smtClean="0"/>
-              <a:t>Please come, bonus points!</a:t>
-            </a:r>
+              <a:t>Please come, bonus points</a:t>
+            </a:r>
+            <a:r>
+              <a:rPr lang="en-US" dirty="0" smtClean="0"/>
+              <a:t>!</a:t>
+            </a:r>
+          </a:p>
+          <a:p>
+            <a:r>
+              <a:rPr lang="en-US" dirty="0" smtClean="0"/>
+              <a:t>Please track your slip days!</a:t>
+            </a:r>
+          </a:p>
+          <a:p>
+            <a:pPr lvl="1"/>
+            <a:r>
+              <a:rPr lang="en-US" dirty="0" smtClean="0">
+                <a:hlinkClick r:id="rId2"/>
+              </a:rPr>
+              <a:t>c</a:t>
+            </a:r>
+            <a:r>
+              <a:rPr lang="en-US" dirty="0" smtClean="0">
+                <a:hlinkClick r:id="rId2"/>
+              </a:rPr>
+              <a:t>s10.org/su15/slipdays</a:t>
+            </a:r>
+            <a:endParaRPr lang="en-US" dirty="0" smtClean="0"/>
+          </a:p>
+          <a:p>
+            <a:r>
+              <a:rPr lang="en-US" dirty="0" smtClean="0"/>
+              <a:t>New AWESOME! </a:t>
+            </a:r>
+            <a:r>
+              <a:rPr lang="en-US" dirty="0"/>
+              <a:t>Snap</a:t>
+            </a:r>
+            <a:r>
+              <a:rPr lang="en-US" i="1" dirty="0"/>
+              <a:t>!</a:t>
+            </a:r>
+            <a:r>
+              <a:rPr lang="en-US" dirty="0"/>
+              <a:t> </a:t>
+            </a:r>
+            <a:r>
+              <a:rPr lang="en-US" dirty="0" smtClean="0"/>
+              <a:t>Features!</a:t>
+            </a:r>
+            <a:endParaRPr lang="en-US" dirty="0" smtClean="0"/>
           </a:p>
         </p:txBody>
       </p:sp>
